--- a/Title.pptx
+++ b/Title.pptx
@@ -263,7 +263,7 @@
           <a:p>
             <a:fld id="{71480BB6-BECC-416A-8575-A2AB9508475C}" type="datetimeFigureOut">
               <a:rPr lang="en-IN" smtClean="0"/>
-              <a:t>05-09-2024</a:t>
+              <a:t>21-09-2024</a:t>
             </a:fld>
             <a:endParaRPr lang="en-IN"/>
           </a:p>
@@ -463,7 +463,7 @@
           <a:p>
             <a:fld id="{71480BB6-BECC-416A-8575-A2AB9508475C}" type="datetimeFigureOut">
               <a:rPr lang="en-IN" smtClean="0"/>
-              <a:t>05-09-2024</a:t>
+              <a:t>21-09-2024</a:t>
             </a:fld>
             <a:endParaRPr lang="en-IN"/>
           </a:p>
@@ -673,7 +673,7 @@
           <a:p>
             <a:fld id="{71480BB6-BECC-416A-8575-A2AB9508475C}" type="datetimeFigureOut">
               <a:rPr lang="en-IN" smtClean="0"/>
-              <a:t>05-09-2024</a:t>
+              <a:t>21-09-2024</a:t>
             </a:fld>
             <a:endParaRPr lang="en-IN"/>
           </a:p>
@@ -873,7 +873,7 @@
           <a:p>
             <a:fld id="{71480BB6-BECC-416A-8575-A2AB9508475C}" type="datetimeFigureOut">
               <a:rPr lang="en-IN" smtClean="0"/>
-              <a:t>05-09-2024</a:t>
+              <a:t>21-09-2024</a:t>
             </a:fld>
             <a:endParaRPr lang="en-IN"/>
           </a:p>
@@ -1149,7 +1149,7 @@
           <a:p>
             <a:fld id="{71480BB6-BECC-416A-8575-A2AB9508475C}" type="datetimeFigureOut">
               <a:rPr lang="en-IN" smtClean="0"/>
-              <a:t>05-09-2024</a:t>
+              <a:t>21-09-2024</a:t>
             </a:fld>
             <a:endParaRPr lang="en-IN"/>
           </a:p>
@@ -1417,7 +1417,7 @@
           <a:p>
             <a:fld id="{71480BB6-BECC-416A-8575-A2AB9508475C}" type="datetimeFigureOut">
               <a:rPr lang="en-IN" smtClean="0"/>
-              <a:t>05-09-2024</a:t>
+              <a:t>21-09-2024</a:t>
             </a:fld>
             <a:endParaRPr lang="en-IN"/>
           </a:p>
@@ -1832,7 +1832,7 @@
           <a:p>
             <a:fld id="{71480BB6-BECC-416A-8575-A2AB9508475C}" type="datetimeFigureOut">
               <a:rPr lang="en-IN" smtClean="0"/>
-              <a:t>05-09-2024</a:t>
+              <a:t>21-09-2024</a:t>
             </a:fld>
             <a:endParaRPr lang="en-IN"/>
           </a:p>
@@ -1974,7 +1974,7 @@
           <a:p>
             <a:fld id="{71480BB6-BECC-416A-8575-A2AB9508475C}" type="datetimeFigureOut">
               <a:rPr lang="en-IN" smtClean="0"/>
-              <a:t>05-09-2024</a:t>
+              <a:t>21-09-2024</a:t>
             </a:fld>
             <a:endParaRPr lang="en-IN"/>
           </a:p>
@@ -2087,7 +2087,7 @@
           <a:p>
             <a:fld id="{71480BB6-BECC-416A-8575-A2AB9508475C}" type="datetimeFigureOut">
               <a:rPr lang="en-IN" smtClean="0"/>
-              <a:t>05-09-2024</a:t>
+              <a:t>21-09-2024</a:t>
             </a:fld>
             <a:endParaRPr lang="en-IN"/>
           </a:p>
@@ -2400,7 +2400,7 @@
           <a:p>
             <a:fld id="{71480BB6-BECC-416A-8575-A2AB9508475C}" type="datetimeFigureOut">
               <a:rPr lang="en-IN" smtClean="0"/>
-              <a:t>05-09-2024</a:t>
+              <a:t>21-09-2024</a:t>
             </a:fld>
             <a:endParaRPr lang="en-IN"/>
           </a:p>
@@ -2689,7 +2689,7 @@
           <a:p>
             <a:fld id="{71480BB6-BECC-416A-8575-A2AB9508475C}" type="datetimeFigureOut">
               <a:rPr lang="en-IN" smtClean="0"/>
-              <a:t>05-09-2024</a:t>
+              <a:t>21-09-2024</a:t>
             </a:fld>
             <a:endParaRPr lang="en-IN"/>
           </a:p>
@@ -2932,7 +2932,7 @@
           <a:p>
             <a:fld id="{71480BB6-BECC-416A-8575-A2AB9508475C}" type="datetimeFigureOut">
               <a:rPr lang="en-IN" smtClean="0"/>
-              <a:t>05-09-2024</a:t>
+              <a:t>21-09-2024</a:t>
             </a:fld>
             <a:endParaRPr lang="en-IN"/>
           </a:p>
@@ -3363,8 +3363,8 @@
         </p:nvSpPr>
         <p:spPr>
           <a:xfrm>
-            <a:off x="6303433" y="223775"/>
-            <a:ext cx="4919134" cy="1107996"/>
+            <a:off x="0" y="782122"/>
+            <a:ext cx="12192000" cy="2646878"/>
           </a:xfrm>
           <a:prstGeom prst="rect">
             <a:avLst/>
@@ -3383,13 +3383,13 @@
           <a:lstStyle/>
           <a:p>
             <a:r>
-              <a:rPr lang="en-US" sz="6600" b="1" dirty="0">
+              <a:rPr lang="en-US" sz="16600" b="1" dirty="0">
                 <a:latin typeface="Algerian" panose="04020705040A02060702" pitchFamily="82" charset="0"/>
                 <a:ea typeface="Cambria" panose="02040503050406030204" pitchFamily="18" charset="0"/>
               </a:rPr>
               <a:t>THRILLX 1.0</a:t>
             </a:r>
-            <a:endParaRPr lang="en-IN" sz="6600" b="1" dirty="0">
+            <a:endParaRPr lang="en-IN" sz="16600" b="1" dirty="0">
               <a:latin typeface="Algerian" panose="04020705040A02060702" pitchFamily="82" charset="0"/>
               <a:ea typeface="Cambria" panose="02040503050406030204" pitchFamily="18" charset="0"/>
             </a:endParaRPr>
@@ -3423,7 +3423,7 @@
         </p:blipFill>
         <p:spPr>
           <a:xfrm>
-            <a:off x="7570786" y="1014871"/>
+            <a:off x="8607735" y="3277304"/>
             <a:ext cx="2415647" cy="2415647"/>
           </a:xfrm>
           <a:prstGeom prst="rect">
@@ -3459,7 +3459,7 @@
         </p:blipFill>
         <p:spPr>
           <a:xfrm>
-            <a:off x="4756150" y="2487083"/>
+            <a:off x="4836583" y="3571166"/>
             <a:ext cx="2933700" cy="2933700"/>
           </a:xfrm>
           <a:prstGeom prst="rect">

--- a/Title.pptx
+++ b/Title.pptx
@@ -263,7 +263,7 @@
           <a:p>
             <a:fld id="{71480BB6-BECC-416A-8575-A2AB9508475C}" type="datetimeFigureOut">
               <a:rPr lang="en-IN" smtClean="0"/>
-              <a:t>21-09-2024</a:t>
+              <a:t>24-09-2024</a:t>
             </a:fld>
             <a:endParaRPr lang="en-IN"/>
           </a:p>
@@ -463,7 +463,7 @@
           <a:p>
             <a:fld id="{71480BB6-BECC-416A-8575-A2AB9508475C}" type="datetimeFigureOut">
               <a:rPr lang="en-IN" smtClean="0"/>
-              <a:t>21-09-2024</a:t>
+              <a:t>24-09-2024</a:t>
             </a:fld>
             <a:endParaRPr lang="en-IN"/>
           </a:p>
@@ -673,7 +673,7 @@
           <a:p>
             <a:fld id="{71480BB6-BECC-416A-8575-A2AB9508475C}" type="datetimeFigureOut">
               <a:rPr lang="en-IN" smtClean="0"/>
-              <a:t>21-09-2024</a:t>
+              <a:t>24-09-2024</a:t>
             </a:fld>
             <a:endParaRPr lang="en-IN"/>
           </a:p>
@@ -873,7 +873,7 @@
           <a:p>
             <a:fld id="{71480BB6-BECC-416A-8575-A2AB9508475C}" type="datetimeFigureOut">
               <a:rPr lang="en-IN" smtClean="0"/>
-              <a:t>21-09-2024</a:t>
+              <a:t>24-09-2024</a:t>
             </a:fld>
             <a:endParaRPr lang="en-IN"/>
           </a:p>
@@ -1149,7 +1149,7 @@
           <a:p>
             <a:fld id="{71480BB6-BECC-416A-8575-A2AB9508475C}" type="datetimeFigureOut">
               <a:rPr lang="en-IN" smtClean="0"/>
-              <a:t>21-09-2024</a:t>
+              <a:t>24-09-2024</a:t>
             </a:fld>
             <a:endParaRPr lang="en-IN"/>
           </a:p>
@@ -1417,7 +1417,7 @@
           <a:p>
             <a:fld id="{71480BB6-BECC-416A-8575-A2AB9508475C}" type="datetimeFigureOut">
               <a:rPr lang="en-IN" smtClean="0"/>
-              <a:t>21-09-2024</a:t>
+              <a:t>24-09-2024</a:t>
             </a:fld>
             <a:endParaRPr lang="en-IN"/>
           </a:p>
@@ -1832,7 +1832,7 @@
           <a:p>
             <a:fld id="{71480BB6-BECC-416A-8575-A2AB9508475C}" type="datetimeFigureOut">
               <a:rPr lang="en-IN" smtClean="0"/>
-              <a:t>21-09-2024</a:t>
+              <a:t>24-09-2024</a:t>
             </a:fld>
             <a:endParaRPr lang="en-IN"/>
           </a:p>
@@ -1974,7 +1974,7 @@
           <a:p>
             <a:fld id="{71480BB6-BECC-416A-8575-A2AB9508475C}" type="datetimeFigureOut">
               <a:rPr lang="en-IN" smtClean="0"/>
-              <a:t>21-09-2024</a:t>
+              <a:t>24-09-2024</a:t>
             </a:fld>
             <a:endParaRPr lang="en-IN"/>
           </a:p>
@@ -2087,7 +2087,7 @@
           <a:p>
             <a:fld id="{71480BB6-BECC-416A-8575-A2AB9508475C}" type="datetimeFigureOut">
               <a:rPr lang="en-IN" smtClean="0"/>
-              <a:t>21-09-2024</a:t>
+              <a:t>24-09-2024</a:t>
             </a:fld>
             <a:endParaRPr lang="en-IN"/>
           </a:p>
@@ -2400,7 +2400,7 @@
           <a:p>
             <a:fld id="{71480BB6-BECC-416A-8575-A2AB9508475C}" type="datetimeFigureOut">
               <a:rPr lang="en-IN" smtClean="0"/>
-              <a:t>21-09-2024</a:t>
+              <a:t>24-09-2024</a:t>
             </a:fld>
             <a:endParaRPr lang="en-IN"/>
           </a:p>
@@ -2689,7 +2689,7 @@
           <a:p>
             <a:fld id="{71480BB6-BECC-416A-8575-A2AB9508475C}" type="datetimeFigureOut">
               <a:rPr lang="en-IN" smtClean="0"/>
-              <a:t>21-09-2024</a:t>
+              <a:t>24-09-2024</a:t>
             </a:fld>
             <a:endParaRPr lang="en-IN"/>
           </a:p>
@@ -2932,7 +2932,7 @@
           <a:p>
             <a:fld id="{71480BB6-BECC-416A-8575-A2AB9508475C}" type="datetimeFigureOut">
               <a:rPr lang="en-IN" smtClean="0"/>
-              <a:t>21-09-2024</a:t>
+              <a:t>24-09-2024</a:t>
             </a:fld>
             <a:endParaRPr lang="en-IN"/>
           </a:p>
@@ -3637,10 +3637,10 @@
       </p:grpSpPr>
       <p:pic>
         <p:nvPicPr>
-          <p:cNvPr id="3" name="Picture 2">
-            <a:extLst>
-              <a:ext uri="{FF2B5EF4-FFF2-40B4-BE49-F238E27FC236}">
-                <a16:creationId xmlns:a16="http://schemas.microsoft.com/office/drawing/2014/main" id="{19E5C848-6D7F-D66E-897E-63F7F258B873}"/>
+          <p:cNvPr id="4" name="Picture 3">
+            <a:extLst>
+              <a:ext uri="{FF2B5EF4-FFF2-40B4-BE49-F238E27FC236}">
+                <a16:creationId xmlns:a16="http://schemas.microsoft.com/office/drawing/2014/main" id="{454A31A4-8C63-B4BF-B566-E845AEE50759}"/>
               </a:ext>
             </a:extLst>
           </p:cNvPr>
@@ -3663,8 +3663,8 @@
         </p:blipFill>
         <p:spPr>
           <a:xfrm>
-            <a:off x="2924175" y="1647825"/>
-            <a:ext cx="6343650" cy="3562350"/>
+            <a:off x="3657599" y="1809292"/>
+            <a:ext cx="4724531" cy="2657549"/>
           </a:xfrm>
           <a:prstGeom prst="rect">
             <a:avLst/>
